--- a/00Summary/01ScalingLaw/Standard Scaling.pptx
+++ b/00Summary/01ScalingLaw/Standard Scaling.pptx
@@ -38463,7 +38463,7 @@
         <p:spPr>
           <a:xfrm>
             <a:off x="274320" y="1173026"/>
-            <a:ext cx="10674222" cy="3477875"/>
+            <a:ext cx="10674222" cy="3862596"/>
           </a:xfrm>
           <a:prstGeom prst="rect">
             <a:avLst/>
@@ -38614,6 +38614,32 @@
                 <a:ea typeface="微软雅黑" pitchFamily="34" charset="-122"/>
               </a:rPr>
               <a:t> </a:t>
+            </a:r>
+            <a:endParaRPr lang="en-SG" altLang="zh-CN" sz="2000" kern="0" dirty="0">
+              <a:solidFill>
+                <a:srgbClr val="374154"/>
+              </a:solidFill>
+              <a:latin typeface="Lexend" pitchFamily="2" charset="0"/>
+              <a:ea typeface="微软雅黑" pitchFamily="34" charset="-122"/>
+            </a:endParaRPr>
+          </a:p>
+          <a:p>
+            <a:pPr marL="285750" indent="-285750">
+              <a:spcAft>
+                <a:spcPts val="600"/>
+              </a:spcAft>
+              <a:buFont typeface="Arial" panose="020B0604020202020204" pitchFamily="34" charset="0"/>
+              <a:buChar char="•"/>
+            </a:pPr>
+            <a:r>
+              <a:rPr lang="zh-CN" altLang="en-US" sz="2000" kern="0" dirty="0">
+                <a:solidFill>
+                  <a:srgbClr val="374154"/>
+                </a:solidFill>
+                <a:latin typeface="Lexend" pitchFamily="2" charset="0"/>
+                <a:ea typeface="微软雅黑" pitchFamily="34" charset="-122"/>
+              </a:rPr>
+              <a:t>学习率</a:t>
             </a:r>
             <a:endParaRPr lang="en-SG" altLang="zh-CN" sz="2000" kern="0" dirty="0">
               <a:solidFill>
